--- a/Slides-RPR/2019-H1-DAA-L07-Recursive-NonRecursive-Efficiency.pptx
+++ b/Slides-RPR/2019-H1-DAA-L07-Recursive-NonRecursive-Efficiency.pptx
@@ -2335,8 +2335,8 @@
         </p:nvSpPr>
         <p:spPr>
           <a:xfrm>
-            <a:off x="887784" y="938113"/>
-            <a:ext cx="9032330" cy="1124083"/>
+            <a:off x="828165" y="812721"/>
+            <a:ext cx="9032330" cy="848785"/>
           </a:xfrm>
           <a:prstGeom prst="rect">
             <a:avLst/>
@@ -2472,7 +2472,7 @@
         </p:nvGrpSpPr>
         <p:grpSpPr>
           <a:xfrm>
-            <a:off x="823700" y="1882811"/>
+            <a:off x="823700" y="1692311"/>
             <a:ext cx="2281133" cy="1979925"/>
             <a:chOff x="0" y="0"/>
             <a:chExt cx="2281132" cy="1979924"/>
@@ -2555,7 +2555,7 @@
         </p:nvGrpSpPr>
         <p:grpSpPr>
           <a:xfrm>
-            <a:off x="3939433" y="1882811"/>
+            <a:off x="3939433" y="1692311"/>
             <a:ext cx="2281133" cy="1979925"/>
             <a:chOff x="0" y="0"/>
             <a:chExt cx="2281132" cy="1979924"/>
@@ -2638,7 +2638,7 @@
         </p:nvGrpSpPr>
         <p:grpSpPr>
           <a:xfrm>
-            <a:off x="7055167" y="1882811"/>
+            <a:off x="7055167" y="1692311"/>
             <a:ext cx="2281133" cy="1979925"/>
             <a:chOff x="0" y="0"/>
             <a:chExt cx="2281132" cy="1979924"/>
@@ -2721,8 +2721,8 @@
         </p:nvSpPr>
         <p:spPr>
           <a:xfrm>
-            <a:off x="1236231" y="3835218"/>
-            <a:ext cx="1456071" cy="546101"/>
+            <a:off x="1236231" y="3670119"/>
+            <a:ext cx="1325958" cy="495301"/>
           </a:xfrm>
           <a:prstGeom prst="rect">
             <a:avLst/>
@@ -2742,7 +2742,7 @@
           </a:bodyPr>
           <a:lstStyle>
             <a:lvl1pPr>
-              <a:defRPr sz="3000">
+              <a:defRPr sz="2700">
                 <a:latin typeface="Gill Sans MT"/>
                 <a:ea typeface="Gill Sans MT"/>
                 <a:cs typeface="Gill Sans MT"/>
@@ -2766,8 +2766,8 @@
         </p:nvSpPr>
         <p:spPr>
           <a:xfrm>
-            <a:off x="4351964" y="3835218"/>
-            <a:ext cx="1454583" cy="546101"/>
+            <a:off x="4351964" y="3670119"/>
+            <a:ext cx="1324619" cy="495301"/>
           </a:xfrm>
           <a:prstGeom prst="rect">
             <a:avLst/>
@@ -2787,7 +2787,7 @@
           </a:bodyPr>
           <a:lstStyle>
             <a:lvl1pPr>
-              <a:defRPr sz="3000">
+              <a:defRPr sz="2700">
                 <a:latin typeface="Gill Sans MT"/>
                 <a:ea typeface="Gill Sans MT"/>
                 <a:cs typeface="Gill Sans MT"/>
@@ -2811,8 +2811,8 @@
         </p:nvSpPr>
         <p:spPr>
           <a:xfrm>
-            <a:off x="7463465" y="3784418"/>
-            <a:ext cx="1509835" cy="546101"/>
+            <a:off x="7463465" y="3619319"/>
+            <a:ext cx="1374346" cy="495301"/>
           </a:xfrm>
           <a:prstGeom prst="rect">
             <a:avLst/>
@@ -2832,7 +2832,7 @@
           </a:bodyPr>
           <a:lstStyle>
             <a:lvl1pPr>
-              <a:defRPr sz="3000">
+              <a:defRPr sz="2700">
                 <a:latin typeface="Gill Sans MT"/>
                 <a:ea typeface="Gill Sans MT"/>
                 <a:cs typeface="Gill Sans MT"/>
@@ -2856,7 +2856,7 @@
         </p:nvGrpSpPr>
         <p:grpSpPr>
           <a:xfrm>
-            <a:off x="1253097" y="2040969"/>
+            <a:off x="1253097" y="1850469"/>
             <a:ext cx="1422339" cy="1414786"/>
             <a:chOff x="0" y="0"/>
             <a:chExt cx="1422337" cy="1414784"/>
@@ -3038,7 +3038,7 @@
         </p:nvSpPr>
         <p:spPr>
           <a:xfrm>
-            <a:off x="1094084" y="3470739"/>
+            <a:off x="1094084" y="3280239"/>
             <a:ext cx="1740364" cy="373386"/>
           </a:xfrm>
           <a:prstGeom prst="rect">
@@ -3131,7 +3131,7 @@
         </p:nvSpPr>
         <p:spPr>
           <a:xfrm>
-            <a:off x="3130217" y="3191696"/>
+            <a:off x="3130217" y="3001196"/>
             <a:ext cx="1783623" cy="585490"/>
           </a:xfrm>
           <a:custGeom>
@@ -3193,7 +3193,7 @@
         </p:nvSpPr>
         <p:spPr>
           <a:xfrm>
-            <a:off x="5763350" y="2963096"/>
+            <a:off x="5763350" y="2772596"/>
             <a:ext cx="1783623" cy="585490"/>
           </a:xfrm>
           <a:custGeom>
@@ -3255,8 +3255,8 @@
         </p:nvSpPr>
         <p:spPr>
           <a:xfrm>
-            <a:off x="482666" y="4560175"/>
-            <a:ext cx="9194668" cy="2224854"/>
+            <a:off x="482666" y="3895889"/>
+            <a:ext cx="9194668" cy="2638873"/>
           </a:xfrm>
           <a:prstGeom prst="rect">
             <a:avLst/>
@@ -3321,7 +3321,26 @@
               </a:defRPr>
             </a:pPr>
             <a:r>
-              <a:t>T(n)=T(n-1)+1+T(n-1)= 1+2*T(n-1)</a:t>
+              <a:t>T(n)=T(n-1)+1+T(n-1)</a:t>
+            </a:r>
+          </a:p>
+          <a:p>
+            <a:pPr lvl="5" marL="0" indent="1143000">
+              <a:lnSpc>
+                <a:spcPct val="90000"/>
+              </a:lnSpc>
+              <a:spcBef>
+                <a:spcPts val="200"/>
+              </a:spcBef>
+              <a:defRPr sz="3000">
+                <a:latin typeface="Courier New"/>
+                <a:ea typeface="Courier New"/>
+                <a:cs typeface="Courier New"/>
+                <a:sym typeface="Courier New"/>
+              </a:defRPr>
+            </a:pPr>
+            <a:r>
+              <a:t>= 1+2*T(n-1)</a:t>
             </a:r>
           </a:p>
           <a:p>
@@ -3710,8 +3729,8 @@
       </p:par>
     </p:tnLst>
     <p:bldLst>
+      <p:bldP build="whole" bldLvl="1" animBg="1" rev="0" advAuto="0" spid="113" grpId="1"/>
       <p:bldP build="whole" bldLvl="1" animBg="1" rev="0" advAuto="0" spid="114" grpId="3"/>
-      <p:bldP build="whole" bldLvl="1" animBg="1" rev="0" advAuto="0" spid="113" grpId="1"/>
       <p:bldP build="whole" bldLvl="1" animBg="1" rev="0" advAuto="0" spid="115" grpId="5"/>
     </p:bldLst>
   </p:timing>
@@ -3915,7 +3934,7 @@
           <a:p>
             <a:pPr lvl="4" marL="0" indent="914400">
               <a:spcBef>
-                <a:spcPts val="400"/>
+                <a:spcPts val="100"/>
               </a:spcBef>
               <a:buSzTx/>
               <a:buNone/>
@@ -3941,8 +3960,11 @@
           </a:p>
           <a:p>
             <a:pPr lvl="3" marL="0" indent="685800">
+              <a:lnSpc>
+                <a:spcPct val="50000"/>
+              </a:lnSpc>
               <a:spcBef>
-                <a:spcPts val="400"/>
+                <a:spcPts val="100"/>
               </a:spcBef>
               <a:buSzTx/>
               <a:buNone/>
@@ -4002,7 +4024,7 @@
           <a:p>
             <a:pPr marL="362416" indent="-322729">
               <a:spcBef>
-                <a:spcPts val="200"/>
+                <a:spcPts val="100"/>
               </a:spcBef>
               <a:defRPr sz="3000"/>
             </a:pPr>
@@ -4013,7 +4035,7 @@
           <a:p>
             <a:pPr lvl="1" marL="0" indent="228600">
               <a:spcBef>
-                <a:spcPts val="200"/>
+                <a:spcPts val="100"/>
               </a:spcBef>
               <a:buSzTx/>
               <a:buNone/>
@@ -4040,32 +4062,13 @@
               <a:t>⌋</a:t>
             </a:r>
             <a:r>
-              <a:t>)= 1+1+T(</a:t>
-            </a:r>
-            <a:r>
-              <a:rPr baseline="13333"/>
-              <a:t>⌊</a:t>
-            </a:r>
-            <a:r>
-              <a:rPr i="1"/>
-              <a:t>n/2</a:t>
-            </a:r>
-            <a:r>
-              <a:rPr baseline="31999" i="1"/>
-              <a:t>2</a:t>
-            </a:r>
-            <a:r>
-              <a:rPr baseline="16666"/>
-              <a:t>⌋</a:t>
-            </a:r>
-            <a:r>
               <a:t>)</a:t>
             </a:r>
           </a:p>
           <a:p>
             <a:pPr lvl="5" marL="0" indent="1143000">
               <a:spcBef>
-                <a:spcPts val="200"/>
+                <a:spcPts val="100"/>
               </a:spcBef>
               <a:buSzTx/>
               <a:buNone/>
@@ -4077,23 +4080,23 @@
               </a:defRPr>
             </a:pPr>
             <a:r>
-              <a:t>=1+1+…+1  (log</a:t>
-            </a:r>
-            <a:r>
-              <a:rPr baseline="-5999"/>
+              <a:t>= 1+1+T(</a:t>
+            </a:r>
+            <a:r>
+              <a:rPr baseline="13333"/>
+              <a:t>⌊</a:t>
+            </a:r>
+            <a:r>
+              <a:rPr i="1"/>
+              <a:t>n/2</a:t>
+            </a:r>
+            <a:r>
+              <a:rPr baseline="31999" i="1"/>
               <a:t>2</a:t>
             </a:r>
             <a:r>
-              <a:t>n </a:t>
-            </a:r>
-            <a:r>
-              <a:rPr>
-                <a:latin typeface="Gill Sans MT"/>
-                <a:ea typeface="Gill Sans MT"/>
-                <a:cs typeface="Gill Sans MT"/>
-                <a:sym typeface="Gill Sans MT"/>
-              </a:rPr>
-              <a:t>times</a:t>
+              <a:rPr baseline="16666"/>
+              <a:t>⌋</a:t>
             </a:r>
             <a:r>
               <a:t>)</a:t>
@@ -4102,7 +4105,7 @@
           <a:p>
             <a:pPr lvl="5" marL="0" indent="1143000">
               <a:spcBef>
-                <a:spcPts val="200"/>
+                <a:spcPts val="100"/>
               </a:spcBef>
               <a:buSzTx/>
               <a:buNone/>
@@ -4114,20 +4117,57 @@
               </a:defRPr>
             </a:pPr>
             <a:r>
-              <a:t>=log</a:t>
+              <a:t>=1+1+…+1  (log</a:t>
             </a:r>
             <a:r>
               <a:rPr baseline="-5999"/>
               <a:t>2</a:t>
             </a:r>
             <a:r>
-              <a:t>n</a:t>
+              <a:t>n </a:t>
+            </a:r>
+            <a:r>
+              <a:rPr>
+                <a:latin typeface="Gill Sans MT"/>
+                <a:ea typeface="Gill Sans MT"/>
+                <a:cs typeface="Gill Sans MT"/>
+                <a:sym typeface="Gill Sans MT"/>
+              </a:rPr>
+              <a:t>times</a:t>
+            </a:r>
+            <a:r>
+              <a:t>)</a:t>
             </a:r>
           </a:p>
           <a:p>
             <a:pPr lvl="5" marL="0" indent="1143000">
               <a:spcBef>
-                <a:spcPts val="200"/>
+                <a:spcPts val="100"/>
+              </a:spcBef>
+              <a:buSzTx/>
+              <a:buNone/>
+              <a:defRPr sz="3000">
+                <a:latin typeface="Courier New"/>
+                <a:ea typeface="Courier New"/>
+                <a:cs typeface="Courier New"/>
+                <a:sym typeface="Courier New"/>
+              </a:defRPr>
+            </a:pPr>
+            <a:r>
+              <a:t>=log</a:t>
+            </a:r>
+            <a:r>
+              <a:rPr baseline="-5999"/>
+              <a:t>2</a:t>
+            </a:r>
+            <a:r>
+              <a:t>n</a:t>
+            </a:r>
+          </a:p>
+          <a:p>
+            <a:pPr lvl="5" marL="0" indent="1143000">
+              <a:spcBef>
+                <a:spcPts val="100"/>
               </a:spcBef>
               <a:buSzTx/>
               <a:buNone/>
@@ -4924,6 +4964,54 @@
                       </p:childTnLst>
                     </p:cTn>
                   </p:par>
+                  <p:par>
+                    <p:cTn id="57" fill="hold">
+                      <p:stCondLst>
+                        <p:cond delay="indefinite"/>
+                      </p:stCondLst>
+                      <p:childTnLst>
+                        <p:par>
+                          <p:cTn id="58" fill="hold">
+                            <p:stCondLst>
+                              <p:cond delay="0"/>
+                            </p:stCondLst>
+                            <p:childTnLst>
+                              <p:par>
+                                <p:cTn id="59" presetClass="entr" nodeType="clickEffect" presetSubtype="0" presetID="1" grpId="1" fill="hold">
+                                  <p:stCondLst>
+                                    <p:cond delay="0"/>
+                                  </p:stCondLst>
+                                  <p:iterate type="el" backwards="0">
+                                    <p:tmAbs val="0"/>
+                                  </p:iterate>
+                                  <p:childTnLst>
+                                    <p:set>
+                                      <p:cBhvr>
+                                        <p:cTn id="60" fill="hold"/>
+                                        <p:tgtEl>
+                                          <p:spTgt spid="118">
+                                            <p:txEl>
+                                              <p:pRg st="13" end="13"/>
+                                            </p:txEl>
+                                          </p:spTgt>
+                                        </p:tgtEl>
+                                        <p:attrNameLst>
+                                          <p:attrName>style.visibility</p:attrName>
+                                        </p:attrNameLst>
+                                      </p:cBhvr>
+                                      <p:to>
+                                        <p:strVal val="visible"/>
+                                      </p:to>
+                                    </p:set>
+                                  </p:childTnLst>
+                                </p:cTn>
+                              </p:par>
+                            </p:childTnLst>
+                          </p:cTn>
+                        </p:par>
+                      </p:childTnLst>
+                    </p:cTn>
+                  </p:par>
                 </p:childTnLst>
               </p:cTn>
               <p:prevCondLst>
@@ -5894,7 +5982,7 @@
       </p:sp>
       <p:sp>
         <p:nvSpPr>
-          <p:cNvPr id="130" name="T(n)=aT(n-1) +1, and T(0) = 1…"/>
+          <p:cNvPr id="130" name="T(n)=aT(n-1)+1,  and T(0)=1…"/>
           <p:cNvSpPr txBox="1"/>
           <p:nvPr>
             <p:ph type="body" idx="1"/>
@@ -5920,7 +6008,7 @@
               </a:defRPr>
             </a:pPr>
             <a:r>
-              <a:t>T(n)=aT(n-1) +1</a:t>
+              <a:t>T(n)=aT(n-1)+1</a:t>
             </a:r>
             <a:r>
               <a:rPr>
@@ -5929,10 +6017,10 @@
                 <a:cs typeface="Gill Sans MT"/>
                 <a:sym typeface="Gill Sans MT"/>
               </a:rPr>
-              <a:t>, and </a:t>
-            </a:r>
-            <a:r>
-              <a:t>T(0) = 1</a:t>
+              <a:t>,  and </a:t>
+            </a:r>
+            <a:r>
+              <a:t>T(0)=1</a:t>
             </a:r>
             <a:endParaRPr>
               <a:latin typeface="Gill Sans MT"/>
@@ -6883,7 +6971,7 @@
       </p:sp>
       <p:sp>
         <p:nvSpPr>
-          <p:cNvPr id="136" name="T(n)=T(n-1) +n,  and T(0) = 1…"/>
+          <p:cNvPr id="136" name="T(n)=T(n-1)+n,  and T(0)=1…"/>
           <p:cNvSpPr txBox="1"/>
           <p:nvPr>
             <p:ph type="body" idx="1"/>
@@ -6909,7 +6997,7 @@
               </a:defRPr>
             </a:pPr>
             <a:r>
-              <a:t>T(n)=T(n-1) +n</a:t>
+              <a:t>T(n)=T(n-1)+n</a:t>
             </a:r>
             <a:r>
               <a:rPr>
@@ -6921,7 +7009,7 @@
               <a:t>,  and </a:t>
             </a:r>
             <a:r>
-              <a:t>T(0) = 1</a:t>
+              <a:t>T(0)=1</a:t>
             </a:r>
             <a:endParaRPr>
               <a:latin typeface="Gill Sans MT"/>
@@ -7996,7 +8084,10 @@
             </a:r>
             <a:r>
               <a:rPr baseline="31999"/>
-              <a:t>k+1)</a:t>
+              <a:t>k+1</a:t>
+            </a:r>
+            <a:r>
+              <a:t>)</a:t>
             </a:r>
           </a:p>
         </p:txBody>
@@ -8831,7 +8922,7 @@
               <a:t>2</a:t>
             </a:r>
             <a:r>
-              <a:t>) +f(n-1) +f(n)</a:t>
+              <a:t>) +f(n/b) +f(n)</a:t>
             </a:r>
           </a:p>
           <a:p>
@@ -8856,7 +8947,14 @@
               <a:t>3</a:t>
             </a:r>
             <a:r>
-              <a:t>) +f(n-2) +f(n-1) +f(n) </a:t>
+              <a:t>) +f(n/b</a:t>
+            </a:r>
+            <a:r>
+              <a:rPr baseline="31999"/>
+              <a:t>2</a:t>
+            </a:r>
+            <a:r>
+              <a:t>)+ f(n/b)+ f(n) </a:t>
             </a:r>
           </a:p>
           <a:p>
@@ -10281,7 +10379,7 @@
       </p:sp>
       <p:sp>
         <p:nvSpPr>
-          <p:cNvPr id="39" name="??"/>
+          <p:cNvPr id="39" name="T1: Levitin…"/>
           <p:cNvSpPr txBox="1"/>
           <p:nvPr>
             <p:ph type="body" idx="1"/>
@@ -10298,7 +10396,13 @@
           <a:p>
             <a:pPr/>
             <a:r>
-              <a:t>??</a:t>
+              <a:t>T1: Levitin</a:t>
+            </a:r>
+          </a:p>
+          <a:p>
+            <a:pPr/>
+            <a:r>
+              <a:t>T2: Horowitz</a:t>
             </a:r>
           </a:p>
         </p:txBody>
@@ -15223,7 +15327,7 @@
               <a:t>log</a:t>
             </a:r>
             <a:r>
-              <a:rPr baseline="31999"/>
+              <a:rPr baseline="-5999"/>
               <a:t>2</a:t>
             </a:r>
             <a:r>
@@ -16277,6 +16381,10 @@
               </a:spcBef>
             </a:pPr>
             <a:r>
+              <a:rPr i="1"/>
+              <a:t>S</a:t>
+            </a:r>
+            <a:r>
               <a:t>et up a recurrence relation </a:t>
             </a:r>
           </a:p>
@@ -17032,6 +17140,9 @@
           <a:lstStyle/>
           <a:p>
             <a:pPr>
+              <a:spcBef>
+                <a:spcPts val="300"/>
+              </a:spcBef>
               <a:defRPr>
                 <a:latin typeface="Courier New"/>
                 <a:ea typeface="Courier New"/>
@@ -17053,7 +17164,11 @@
             </a:r>
           </a:p>
           <a:p>
-            <a:pPr/>
+            <a:pPr>
+              <a:spcBef>
+                <a:spcPts val="300"/>
+              </a:spcBef>
+            </a:pPr>
             <a:r>
               <a:t>Recursive definition </a:t>
             </a:r>
@@ -17075,6 +17190,9 @@
           </a:p>
           <a:p>
             <a:pPr lvl="1">
+              <a:spcBef>
+                <a:spcPts val="300"/>
+              </a:spcBef>
               <a:defRPr>
                 <a:latin typeface="Gill Sans MT"/>
                 <a:ea typeface="Gill Sans MT"/>
@@ -17096,13 +17214,20 @@
             </a:r>
           </a:p>
           <a:p>
-            <a:pPr/>
+            <a:pPr>
+              <a:spcBef>
+                <a:spcPts val="300"/>
+              </a:spcBef>
+            </a:pPr>
             <a:r>
               <a:t>Algorithm F(n)</a:t>
             </a:r>
           </a:p>
           <a:p>
             <a:pPr lvl="2" marL="0" indent="457200">
+              <a:spcBef>
+                <a:spcPts val="300"/>
+              </a:spcBef>
               <a:buSzTx/>
               <a:buNone/>
             </a:pPr>
@@ -17160,6 +17285,9 @@
           </a:p>
           <a:p>
             <a:pPr lvl="3" marL="0" indent="685800">
+              <a:spcBef>
+                <a:spcPts val="300"/>
+              </a:spcBef>
               <a:buSzTx/>
               <a:buNone/>
             </a:pPr>
@@ -17178,6 +17306,9 @@
           </a:p>
           <a:p>
             <a:pPr lvl="2" marL="0" indent="457200">
+              <a:spcBef>
+                <a:spcPts val="300"/>
+              </a:spcBef>
               <a:buSzTx/>
               <a:buNone/>
             </a:pPr>
@@ -17187,6 +17318,9 @@
           </a:p>
           <a:p>
             <a:pPr lvl="3" marL="0" indent="685800">
+              <a:spcBef>
+                <a:spcPts val="300"/>
+              </a:spcBef>
               <a:buSzTx/>
               <a:buNone/>
             </a:pPr>
@@ -17204,21 +17338,40 @@
             </a:r>
           </a:p>
           <a:p>
-            <a:pPr marL="362416" indent="-322729"/>
+            <a:pPr marL="362416" indent="-322729">
+              <a:spcBef>
+                <a:spcPts val="300"/>
+              </a:spcBef>
+            </a:pPr>
             <a:r>
               <a:t>Efficiency: Basic operation : multiplication</a:t>
             </a:r>
           </a:p>
           <a:p>
             <a:pPr lvl="1" marL="663178" indent="-267890">
+              <a:spcBef>
+                <a:spcPts val="300"/>
+              </a:spcBef>
               <a:buChar char="•"/>
             </a:pPr>
             <a:r>
-              <a:t>Number of recursion invocations n</a:t>
+              <a:t>Number of recursion invocations : </a:t>
+            </a:r>
+            <a:r>
+              <a:rPr>
+                <a:latin typeface="Courier New"/>
+                <a:ea typeface="Courier New"/>
+                <a:cs typeface="Courier New"/>
+                <a:sym typeface="Courier New"/>
+              </a:rPr>
+              <a:t>n</a:t>
             </a:r>
           </a:p>
           <a:p>
             <a:pPr lvl="1" marL="0" indent="228600">
+              <a:spcBef>
+                <a:spcPts val="300"/>
+              </a:spcBef>
               <a:buSzTx/>
               <a:buNone/>
               <a:defRPr>
@@ -17229,11 +17382,32 @@
               </a:defRPr>
             </a:pPr>
             <a:r>
-              <a:t>T(n)=1+T(n-1)= 1+1+T(n-2) = n</a:t>
+              <a:t>T(n)=1+T(n-1)</a:t>
+            </a:r>
+          </a:p>
+          <a:p>
+            <a:pPr lvl="5" marL="0" indent="1143000">
+              <a:spcBef>
+                <a:spcPts val="300"/>
+              </a:spcBef>
+              <a:buSzTx/>
+              <a:buNone/>
+              <a:defRPr sz="3000">
+                <a:latin typeface="Courier New"/>
+                <a:ea typeface="Courier New"/>
+                <a:cs typeface="Courier New"/>
+                <a:sym typeface="Courier New"/>
+              </a:defRPr>
+            </a:pPr>
+            <a:r>
+              <a:t>= 1+1+T(n-2) = n</a:t>
             </a:r>
           </a:p>
           <a:p>
             <a:pPr lvl="1" marL="0" indent="228600">
+              <a:spcBef>
+                <a:spcPts val="300"/>
+              </a:spcBef>
               <a:buSzTx/>
               <a:buNone/>
               <a:defRPr>
@@ -17954,6 +18128,54 @@
                                           <p:spTgt spid="81">
                                             <p:txEl>
                                               <p:pRg st="11" end="11"/>
+                                            </p:txEl>
+                                          </p:spTgt>
+                                        </p:tgtEl>
+                                        <p:attrNameLst>
+                                          <p:attrName>style.visibility</p:attrName>
+                                        </p:attrNameLst>
+                                      </p:cBhvr>
+                                      <p:to>
+                                        <p:strVal val="visible"/>
+                                      </p:to>
+                                    </p:set>
+                                  </p:childTnLst>
+                                </p:cTn>
+                              </p:par>
+                            </p:childTnLst>
+                          </p:cTn>
+                        </p:par>
+                      </p:childTnLst>
+                    </p:cTn>
+                  </p:par>
+                  <p:par>
+                    <p:cTn id="53" fill="hold">
+                      <p:stCondLst>
+                        <p:cond delay="indefinite"/>
+                      </p:stCondLst>
+                      <p:childTnLst>
+                        <p:par>
+                          <p:cTn id="54" fill="hold">
+                            <p:stCondLst>
+                              <p:cond delay="0"/>
+                            </p:stCondLst>
+                            <p:childTnLst>
+                              <p:par>
+                                <p:cTn id="55" presetClass="entr" nodeType="clickEffect" presetSubtype="0" presetID="1" grpId="1" fill="hold">
+                                  <p:stCondLst>
+                                    <p:cond delay="0"/>
+                                  </p:stCondLst>
+                                  <p:iterate type="el" backwards="0">
+                                    <p:tmAbs val="0"/>
+                                  </p:iterate>
+                                  <p:childTnLst>
+                                    <p:set>
+                                      <p:cBhvr>
+                                        <p:cTn id="56" fill="hold"/>
+                                        <p:tgtEl>
+                                          <p:spTgt spid="81">
+                                            <p:txEl>
+                                              <p:pRg st="12" end="12"/>
                                             </p:txEl>
                                           </p:spTgt>
                                         </p:tgtEl>
